--- a/05 países con la mayor pobresa.pptx
+++ b/05 países con la mayor pobresa.pptx
@@ -104,6 +104,11 @@
       </a:defRPr>
     </a:lvl9pPr>
   </p:defaultTextStyle>
+  <p:extLst>
+    <p:ext uri="{EFAFB233-063F-42B5-8137-9DF3F51BA10A}">
+      <p15:sldGuideLst xmlns:p15="http://schemas.microsoft.com/office/powerpoint/2012/main"/>
+    </p:ext>
+  </p:extLst>
 </p:presentation>
 </file>
 
@@ -126,7 +131,7 @@
       <c:layout/>
       <c:barChart>
         <c:barDir val="col"/>
-        <c:grouping val="percentStacked"/>
+        <c:grouping val="stacked"/>
         <c:varyColors val="0"/>
         <c:ser>
           <c:idx val="0"/>
@@ -144,27 +149,49 @@
           </c:tx>
           <c:spPr>
             <a:solidFill>
-              <a:srgbClr val="00B050"/>
+              <a:srgbClr val="7030A0"/>
             </a:solidFill>
-            <a:ln>
-              <a:noFill/>
+            <a:ln w="9525" cap="flat" cmpd="sng" algn="ctr">
+              <a:solidFill>
+                <a:schemeClr val="accent1">
+                  <a:shade val="95000"/>
+                </a:schemeClr>
+              </a:solidFill>
+              <a:round/>
             </a:ln>
             <a:effectLst/>
           </c:spPr>
           <c:invertIfNegative val="0"/>
           <c:dPt>
-            <c:idx val="1"/>
+            <c:idx val="0"/>
             <c:invertIfNegative val="0"/>
             <c:bubble3D val="0"/>
             <c:spPr>
               <a:solidFill>
-                <a:srgbClr val="00B0F0"/>
+                <a:schemeClr val="accent6">
+                  <a:lumMod val="50000"/>
+                </a:schemeClr>
               </a:solidFill>
-              <a:ln>
-                <a:noFill/>
+              <a:ln w="9525" cap="flat" cmpd="sng" algn="ctr">
+                <a:solidFill>
+                  <a:schemeClr val="accent1">
+                    <a:shade val="95000"/>
+                  </a:schemeClr>
+                </a:solidFill>
+                <a:round/>
               </a:ln>
               <a:effectLst/>
             </c:spPr>
+            <c:extLst>
+              <c:ext xmlns:c16="http://schemas.microsoft.com/office/drawing/2014/chart" uri="{C3380CC4-5D6E-409C-BE32-E72D297353CC}">
+                <c16:uniqueId val="{00000008-5207-4118-B29D-660C88E55ED1}"/>
+              </c:ext>
+            </c:extLst>
+          </c:dPt>
+          <c:dPt>
+            <c:idx val="1"/>
+            <c:invertIfNegative val="0"/>
+            <c:bubble3D val="0"/>
             <c:extLst>
               <c:ext xmlns:c16="http://schemas.microsoft.com/office/drawing/2014/chart" uri="{C3380CC4-5D6E-409C-BE32-E72D297353CC}">
                 <c16:uniqueId val="{00000004-5A10-462F-BF3D-FDF4EF235C68}"/>
@@ -177,10 +204,15 @@
             <c:bubble3D val="0"/>
             <c:spPr>
               <a:solidFill>
-                <a:srgbClr val="FF0000"/>
+                <a:srgbClr val="00B050"/>
               </a:solidFill>
-              <a:ln>
-                <a:noFill/>
+              <a:ln w="9525" cap="flat" cmpd="sng" algn="ctr">
+                <a:solidFill>
+                  <a:schemeClr val="accent1">
+                    <a:shade val="95000"/>
+                  </a:schemeClr>
+                </a:solidFill>
+                <a:round/>
               </a:ln>
               <a:effectLst/>
             </c:spPr>
@@ -196,10 +228,15 @@
             <c:bubble3D val="0"/>
             <c:spPr>
               <a:solidFill>
-                <a:srgbClr val="0070C0"/>
+                <a:srgbClr val="00B0F0"/>
               </a:solidFill>
-              <a:ln>
-                <a:noFill/>
+              <a:ln w="9525" cap="flat" cmpd="sng" algn="ctr">
+                <a:solidFill>
+                  <a:schemeClr val="accent1">
+                    <a:shade val="95000"/>
+                  </a:schemeClr>
+                </a:solidFill>
+                <a:round/>
               </a:ln>
               <a:effectLst/>
             </c:spPr>
@@ -215,10 +252,15 @@
             <c:bubble3D val="0"/>
             <c:spPr>
               <a:solidFill>
-                <a:srgbClr val="FFC000"/>
+                <a:srgbClr val="FF0000"/>
               </a:solidFill>
-              <a:ln>
-                <a:noFill/>
+              <a:ln w="9525" cap="flat" cmpd="sng" algn="ctr">
+                <a:solidFill>
+                  <a:schemeClr val="accent1">
+                    <a:shade val="95000"/>
+                  </a:schemeClr>
+                </a:solidFill>
+                <a:round/>
               </a:ln>
               <a:effectLst/>
             </c:spPr>
@@ -245,7 +287,10 @@
                 <a:pPr>
                   <a:defRPr sz="1197" b="0" i="0" u="none" strike="noStrike" kern="1200" baseline="0">
                     <a:solidFill>
-                      <a:schemeClr val="lt1"/>
+                      <a:schemeClr val="tx1">
+                        <a:lumMod val="50000"/>
+                        <a:lumOff val="50000"/>
+                      </a:schemeClr>
                     </a:solidFill>
                     <a:latin typeface="+mn-lt"/>
                     <a:ea typeface="+mn-ea"/>
@@ -344,7 +389,7 @@
           <c:showPercent val="0"/>
           <c:showBubbleSize val="0"/>
         </c:dLbls>
-        <c:gapWidth val="79"/>
+        <c:gapWidth val="150"/>
         <c:overlap val="100"/>
         <c:axId val="45171839"/>
         <c:axId val="42384047"/>
@@ -356,6 +401,57 @@
         </c:scaling>
         <c:delete val="0"/>
         <c:axPos val="b"/>
+        <c:numFmt formatCode="General" sourceLinked="1"/>
+        <c:majorTickMark val="none"/>
+        <c:minorTickMark val="none"/>
+        <c:tickLblPos val="nextTo"/>
+        <c:spPr>
+          <a:noFill/>
+          <a:ln w="9525" cap="flat" cmpd="sng" algn="ctr">
+            <a:solidFill>
+              <a:schemeClr val="tx1">
+                <a:lumMod val="15000"/>
+                <a:lumOff val="85000"/>
+              </a:schemeClr>
+            </a:solidFill>
+            <a:round/>
+          </a:ln>
+          <a:effectLst/>
+        </c:spPr>
+        <c:txPr>
+          <a:bodyPr rot="-60000000" spcFirstLastPara="1" vertOverflow="ellipsis" vert="horz" wrap="square" anchor="ctr" anchorCtr="1"/>
+          <a:lstStyle/>
+          <a:p>
+            <a:pPr>
+              <a:defRPr sz="1197" b="0" i="0" u="none" strike="noStrike" kern="1200" baseline="0">
+                <a:solidFill>
+                  <a:schemeClr val="tx1">
+                    <a:lumMod val="50000"/>
+                    <a:lumOff val="50000"/>
+                  </a:schemeClr>
+                </a:solidFill>
+                <a:latin typeface="+mn-lt"/>
+                <a:ea typeface="+mn-ea"/>
+                <a:cs typeface="+mn-cs"/>
+              </a:defRPr>
+            </a:pPr>
+            <a:endParaRPr lang="es-PE"/>
+          </a:p>
+        </c:txPr>
+        <c:crossAx val="42384047"/>
+        <c:crosses val="autoZero"/>
+        <c:auto val="1"/>
+        <c:lblAlgn val="ctr"/>
+        <c:lblOffset val="100"/>
+        <c:noMultiLvlLbl val="0"/>
+      </c:catAx>
+      <c:valAx>
+        <c:axId val="42384047"/>
+        <c:scaling>
+          <c:orientation val="minMax"/>
+        </c:scaling>
+        <c:delete val="0"/>
+        <c:axPos val="l"/>
         <c:majorGridlines>
           <c:spPr>
             <a:ln w="9525" cap="flat" cmpd="sng" algn="ctr">
@@ -376,14 +472,8 @@
         <c:tickLblPos val="nextTo"/>
         <c:spPr>
           <a:noFill/>
-          <a:ln w="9525" cap="flat" cmpd="sng" algn="ctr">
-            <a:solidFill>
-              <a:schemeClr val="tx1">
-                <a:lumMod val="15000"/>
-                <a:lumOff val="85000"/>
-              </a:schemeClr>
-            </a:solidFill>
-            <a:round/>
+          <a:ln>
+            <a:noFill/>
           </a:ln>
           <a:effectLst/>
         </c:spPr>
@@ -392,11 +482,11 @@
           <a:lstStyle/>
           <a:p>
             <a:pPr>
-              <a:defRPr sz="1064" b="0" i="0" u="none" strike="noStrike" kern="1200" cap="all" spc="120" normalizeH="0" baseline="0">
+              <a:defRPr sz="1197" b="0" i="0" u="none" strike="noStrike" kern="1200" baseline="0">
                 <a:solidFill>
                   <a:schemeClr val="tx1">
-                    <a:lumMod val="65000"/>
-                    <a:lumOff val="35000"/>
+                    <a:lumMod val="50000"/>
+                    <a:lumOff val="50000"/>
                   </a:schemeClr>
                 </a:solidFill>
                 <a:latin typeface="+mn-lt"/>
@@ -407,24 +497,6 @@
             <a:endParaRPr lang="es-PE"/>
           </a:p>
         </c:txPr>
-        <c:crossAx val="42384047"/>
-        <c:crosses val="autoZero"/>
-        <c:auto val="1"/>
-        <c:lblAlgn val="ctr"/>
-        <c:lblOffset val="100"/>
-        <c:noMultiLvlLbl val="0"/>
-      </c:catAx>
-      <c:valAx>
-        <c:axId val="42384047"/>
-        <c:scaling>
-          <c:orientation val="minMax"/>
-        </c:scaling>
-        <c:delete val="1"/>
-        <c:axPos val="l"/>
-        <c:numFmt formatCode="0%" sourceLinked="1"/>
-        <c:majorTickMark val="none"/>
-        <c:minorTickMark val="none"/>
-        <c:tickLblPos val="nextTo"/>
         <c:crossAx val="45171839"/>
         <c:crosses val="autoZero"/>
         <c:crossBetween val="between"/>
@@ -438,10 +510,12 @@
       </c:spPr>
     </c:plotArea>
     <c:legend>
-      <c:legendPos val="t"/>
+      <c:legendPos val="b"/>
       <c:overlay val="0"/>
       <c:spPr>
-        <a:noFill/>
+        <a:solidFill>
+          <a:srgbClr val="FFFF00"/>
+        </a:solidFill>
         <a:ln>
           <a:noFill/>
         </a:ln>
@@ -455,8 +529,8 @@
             <a:defRPr sz="1197" b="0" i="0" u="none" strike="noStrike" kern="1200" baseline="0">
               <a:solidFill>
                 <a:schemeClr val="tx1">
-                  <a:lumMod val="65000"/>
-                  <a:lumOff val="35000"/>
+                  <a:lumMod val="50000"/>
+                  <a:lumOff val="50000"/>
                 </a:schemeClr>
               </a:solidFill>
               <a:latin typeface="+mn-lt"/>
@@ -543,15 +617,15 @@
 </file>
 
 <file path=ppt/charts/style1.xml><?xml version="1.0" encoding="utf-8"?>
-<cs:chartStyle xmlns:cs="http://schemas.microsoft.com/office/drawing/2012/chartStyle" xmlns:a="http://schemas.openxmlformats.org/drawingml/2006/main" id="298">
+<cs:chartStyle xmlns:cs="http://schemas.microsoft.com/office/drawing/2012/chartStyle" xmlns:a="http://schemas.openxmlformats.org/drawingml/2006/main" id="301">
   <cs:axisTitle>
     <cs:lnRef idx="0"/>
     <cs:fillRef idx="0"/>
     <cs:effectRef idx="0"/>
     <cs:fontRef idx="minor">
       <a:schemeClr val="tx1">
-        <a:lumMod val="65000"/>
-        <a:lumOff val="35000"/>
+        <a:lumMod val="50000"/>
+        <a:lumOff val="50000"/>
       </a:schemeClr>
     </cs:fontRef>
     <cs:defRPr sz="1197" kern="1200" cap="all"/>
@@ -562,8 +636,8 @@
     <cs:effectRef idx="0"/>
     <cs:fontRef idx="minor">
       <a:schemeClr val="tx1">
-        <a:lumMod val="65000"/>
-        <a:lumOff val="35000"/>
+        <a:lumMod val="50000"/>
+        <a:lumOff val="50000"/>
       </a:schemeClr>
     </cs:fontRef>
     <cs:spPr>
@@ -577,7 +651,7 @@
         <a:round/>
       </a:ln>
     </cs:spPr>
-    <cs:defRPr sz="1064" kern="1200" cap="all" spc="120" normalizeH="0" baseline="0"/>
+    <cs:defRPr sz="1197" kern="1200"/>
   </cs:categoryAxis>
   <cs:chartArea mods="allowNoFillOverride allowNoLineOverride">
     <cs:lnRef idx="0"/>
@@ -588,7 +662,7 @@
     </cs:fontRef>
     <cs:spPr>
       <a:solidFill>
-        <a:schemeClr val="lt1"/>
+        <a:schemeClr val="bg1"/>
       </a:solidFill>
       <a:ln w="9525" cap="flat" cmpd="sng" algn="ctr">
         <a:solidFill>
@@ -607,9 +681,12 @@
     <cs:fillRef idx="0"/>
     <cs:effectRef idx="0"/>
     <cs:fontRef idx="minor">
-      <a:schemeClr val="lt1"/>
+      <a:schemeClr val="tx1">
+        <a:lumMod val="50000"/>
+        <a:lumOff val="50000"/>
+      </a:schemeClr>
     </cs:fontRef>
-    <cs:defRPr sz="1197" b="0" i="0" u="none" strike="noStrike" kern="1200" baseline="0"/>
+    <cs:defRPr sz="1197" kern="1200"/>
   </cs:dataLabel>
   <cs:dataLabelCallout>
     <cs:lnRef idx="0"/>
@@ -640,46 +717,62 @@
     </cs:bodyPr>
   </cs:dataLabelCallout>
   <cs:dataPoint>
-    <cs:lnRef idx="0"/>
-    <cs:fillRef idx="0">
+    <cs:lnRef idx="0">
+      <cs:styleClr val="auto"/>
+    </cs:lnRef>
+    <cs:fillRef idx="2">
       <cs:styleClr val="auto"/>
     </cs:fillRef>
-    <cs:effectRef idx="0"/>
+    <cs:effectRef idx="1"/>
     <cs:fontRef idx="minor">
       <a:schemeClr val="dk1"/>
     </cs:fontRef>
     <cs:spPr>
-      <a:solidFill>
-        <a:schemeClr val="phClr"/>
-      </a:solidFill>
+      <a:ln w="9525" cap="flat" cmpd="sng" algn="ctr">
+        <a:solidFill>
+          <a:schemeClr val="phClr">
+            <a:shade val="95000"/>
+          </a:schemeClr>
+        </a:solidFill>
+        <a:round/>
+      </a:ln>
     </cs:spPr>
   </cs:dataPoint>
   <cs:dataPoint3D>
-    <cs:lnRef idx="0"/>
-    <cs:fillRef idx="0">
+    <cs:lnRef idx="0">
+      <cs:styleClr val="auto"/>
+    </cs:lnRef>
+    <cs:fillRef idx="2">
       <cs:styleClr val="auto"/>
     </cs:fillRef>
-    <cs:effectRef idx="0"/>
+    <cs:effectRef idx="1"/>
     <cs:fontRef idx="minor">
       <a:schemeClr val="dk1"/>
     </cs:fontRef>
     <cs:spPr>
-      <a:solidFill>
-        <a:schemeClr val="phClr"/>
-      </a:solidFill>
+      <a:ln w="9525" cap="flat" cmpd="sng" algn="ctr">
+        <a:solidFill>
+          <a:schemeClr val="phClr">
+            <a:shade val="95000"/>
+          </a:schemeClr>
+        </a:solidFill>
+        <a:round/>
+      </a:ln>
     </cs:spPr>
   </cs:dataPoint3D>
   <cs:dataPointLine>
     <cs:lnRef idx="0">
       <cs:styleClr val="auto"/>
     </cs:lnRef>
-    <cs:fillRef idx="0"/>
-    <cs:effectRef idx="0"/>
+    <cs:fillRef idx="2">
+      <cs:styleClr val="auto"/>
+    </cs:fillRef>
+    <cs:effectRef idx="1"/>
     <cs:fontRef idx="minor">
       <a:schemeClr val="dk1"/>
     </cs:fontRef>
     <cs:spPr>
-      <a:ln w="22225" cap="rnd">
+      <a:ln w="15875" cap="rnd">
         <a:solidFill>
           <a:schemeClr val="phClr"/>
         </a:solidFill>
@@ -691,31 +784,30 @@
     <cs:lnRef idx="0">
       <cs:styleClr val="auto"/>
     </cs:lnRef>
-    <cs:fillRef idx="0">
+    <cs:fillRef idx="2">
       <cs:styleClr val="auto"/>
     </cs:fillRef>
-    <cs:effectRef idx="0"/>
+    <cs:effectRef idx="1"/>
     <cs:fontRef idx="minor">
       <a:schemeClr val="dk1"/>
     </cs:fontRef>
     <cs:spPr>
-      <a:solidFill>
-        <a:schemeClr val="phClr"/>
-      </a:solidFill>
-      <a:ln w="9525">
+      <a:ln w="9525" cap="flat" cmpd="sng" algn="ctr">
         <a:solidFill>
-          <a:schemeClr val="phClr"/>
+          <a:schemeClr val="phClr">
+            <a:shade val="95000"/>
+          </a:schemeClr>
         </a:solidFill>
         <a:round/>
       </a:ln>
     </cs:spPr>
   </cs:dataPointMarker>
-  <cs:dataPointMarkerLayout size="6"/>
+  <cs:dataPointMarkerLayout symbol="circle" size="4"/>
   <cs:dataPointWireframe>
     <cs:lnRef idx="0">
       <cs:styleClr val="auto"/>
     </cs:lnRef>
-    <cs:fillRef idx="0"/>
+    <cs:fillRef idx="2"/>
     <cs:effectRef idx="0"/>
     <cs:fontRef idx="minor">
       <a:schemeClr val="dk1"/>
@@ -735,8 +827,8 @@
     <cs:effectRef idx="0"/>
     <cs:fontRef idx="minor">
       <a:schemeClr val="tx1">
-        <a:lumMod val="65000"/>
-        <a:lumOff val="35000"/>
+        <a:lumMod val="50000"/>
+        <a:lumOff val="50000"/>
       </a:schemeClr>
     </cs:fontRef>
     <cs:spPr>
@@ -768,8 +860,8 @@
       <a:ln w="9525">
         <a:solidFill>
           <a:schemeClr val="tx1">
-            <a:lumMod val="15000"/>
-            <a:lumOff val="85000"/>
+            <a:lumMod val="50000"/>
+            <a:lumOff val="50000"/>
           </a:schemeClr>
         </a:solidFill>
       </a:ln>
@@ -790,6 +882,7 @@
             <a:lumOff val="65000"/>
           </a:schemeClr>
         </a:solidFill>
+        <a:prstDash val="dash"/>
       </a:ln>
     </cs:spPr>
   </cs:dropLine>
@@ -804,11 +897,10 @@
       <a:ln w="9525">
         <a:solidFill>
           <a:schemeClr val="tx1">
-            <a:lumMod val="65000"/>
-            <a:lumOff val="35000"/>
+            <a:lumMod val="50000"/>
+            <a:lumOff val="50000"/>
           </a:schemeClr>
         </a:solidFill>
-        <a:round/>
       </a:ln>
     </cs:spPr>
   </cs:errorBar>
@@ -872,6 +964,7 @@
             <a:lumOff val="50000"/>
           </a:schemeClr>
         </a:solidFill>
+        <a:prstDash val="dash"/>
       </a:ln>
     </cs:spPr>
   </cs:hiLoLine>
@@ -899,8 +992,8 @@
     <cs:effectRef idx="0"/>
     <cs:fontRef idx="minor">
       <a:schemeClr val="tx1">
-        <a:lumMod val="65000"/>
-        <a:lumOff val="35000"/>
+        <a:lumMod val="50000"/>
+        <a:lumOff val="50000"/>
       </a:schemeClr>
     </cs:fontRef>
     <cs:defRPr sz="1197" kern="1200"/>
@@ -927,8 +1020,8 @@
     <cs:effectRef idx="0"/>
     <cs:fontRef idx="minor">
       <a:schemeClr val="tx1">
-        <a:lumMod val="65000"/>
-        <a:lumOff val="35000"/>
+        <a:lumMod val="50000"/>
+        <a:lumOff val="50000"/>
       </a:schemeClr>
     </cs:fontRef>
     <cs:spPr>
@@ -959,7 +1052,7 @@
             <a:lumOff val="65000"/>
           </a:schemeClr>
         </a:solidFill>
-        <a:round/>
+        <a:prstDash val="dash"/>
       </a:ln>
     </cs:spPr>
   </cs:seriesLine>
@@ -969,27 +1062,26 @@
     <cs:effectRef idx="0"/>
     <cs:fontRef idx="minor">
       <a:schemeClr val="tx1">
-        <a:lumMod val="65000"/>
-        <a:lumOff val="35000"/>
+        <a:lumMod val="50000"/>
+        <a:lumOff val="50000"/>
       </a:schemeClr>
     </cs:fontRef>
-    <cs:defRPr sz="2128" b="1" kern="1200" cap="all" spc="120" normalizeH="0" baseline="0"/>
+    <cs:defRPr sz="1862" kern="1200" cap="none" spc="20" baseline="0"/>
   </cs:title>
   <cs:trendline>
     <cs:lnRef idx="0">
       <cs:styleClr val="auto"/>
     </cs:lnRef>
-    <cs:fillRef idx="0"/>
+    <cs:fillRef idx="2"/>
     <cs:effectRef idx="0"/>
     <cs:fontRef idx="minor">
       <a:schemeClr val="dk1"/>
     </cs:fontRef>
     <cs:spPr>
-      <a:ln w="19050" cap="rnd">
+      <a:ln w="9525" cap="rnd">
         <a:solidFill>
           <a:schemeClr val="phClr"/>
         </a:solidFill>
-        <a:prstDash val="sysDash"/>
       </a:ln>
     </cs:spPr>
   </cs:trendline>
@@ -999,11 +1091,11 @@
     <cs:effectRef idx="0"/>
     <cs:fontRef idx="minor">
       <a:schemeClr val="tx1">
-        <a:lumMod val="65000"/>
-        <a:lumOff val="35000"/>
+        <a:lumMod val="50000"/>
+        <a:lumOff val="50000"/>
       </a:schemeClr>
     </cs:fontRef>
-    <cs:defRPr sz="1064" kern="1200"/>
+    <cs:defRPr sz="1197" kern="1200"/>
   </cs:trendlineLabel>
   <cs:upBar>
     <cs:lnRef idx="0"/>
@@ -1019,8 +1111,8 @@
       <a:ln w="9525">
         <a:solidFill>
           <a:schemeClr val="tx1">
-            <a:lumMod val="65000"/>
-            <a:lumOff val="35000"/>
+            <a:lumMod val="50000"/>
+            <a:lumOff val="50000"/>
           </a:schemeClr>
         </a:solidFill>
       </a:ln>
@@ -1032,21 +1124,10 @@
     <cs:effectRef idx="0"/>
     <cs:fontRef idx="minor">
       <a:schemeClr val="tx1">
-        <a:lumMod val="65000"/>
-        <a:lumOff val="35000"/>
+        <a:lumMod val="50000"/>
+        <a:lumOff val="50000"/>
       </a:schemeClr>
     </cs:fontRef>
-    <cs:spPr>
-      <a:ln w="9525" cap="flat" cmpd="sng" algn="ctr">
-        <a:solidFill>
-          <a:schemeClr val="dk1">
-            <a:lumMod val="15000"/>
-            <a:lumOff val="85000"/>
-          </a:schemeClr>
-        </a:solidFill>
-        <a:round/>
-      </a:ln>
-    </cs:spPr>
     <cs:defRPr sz="1197" kern="1200"/>
   </cs:valueAxis>
   <cs:wall>
@@ -6802,6 +6883,23 @@
           <a:p>
             <a:pPr algn="ctr"/>
             <a:r>
+              <a:rPr lang="es-ES" sz="4000" b="1">
+                <a:ln w="22225">
+                  <a:solidFill>
+                    <a:schemeClr val="accent2"/>
+                  </a:solidFill>
+                  <a:prstDash val="solid"/>
+                </a:ln>
+                <a:solidFill>
+                  <a:schemeClr val="accent2">
+                    <a:lumMod val="40000"/>
+                    <a:lumOff val="60000"/>
+                  </a:schemeClr>
+                </a:solidFill>
+              </a:rPr>
+              <a:t>5 </a:t>
+            </a:r>
+            <a:r>
               <a:rPr lang="es-ES" sz="4000" b="1" dirty="0">
                 <a:ln w="22225">
                   <a:solidFill>
@@ -6816,7 +6914,7 @@
                   </a:schemeClr>
                 </a:solidFill>
               </a:rPr>
-              <a:t>05 países con la mayor </a:t>
+              <a:t>países con la mayor </a:t>
             </a:r>
             <a:r>
               <a:rPr lang="es-ES" sz="4000" b="1" dirty="0" err="1">
@@ -6868,7 +6966,7 @@
             <p:ph idx="1"/>
             <p:extLst>
               <p:ext uri="{D42A27DB-BD31-4B8C-83A1-F6EECF244321}">
-                <p14:modId xmlns:p14="http://schemas.microsoft.com/office/powerpoint/2010/main" val="2430160765"/>
+                <p14:modId xmlns:p14="http://schemas.microsoft.com/office/powerpoint/2010/main" val="2122424522"/>
               </p:ext>
             </p:extLst>
           </p:nvPr>
